--- a/testes-introducao.pptx
+++ b/testes-introducao.pptx
@@ -203,7 +203,7 @@
           <a:p>
             <a:fld id="{94D3EB41-CF60-4C9F-BD83-AE56FA0945EB}" type="datetimeFigureOut">
               <a:rPr lang="pt-BR" smtClean="0"/>
-              <a:t>25/08/2020</a:t>
+              <a:t>10/05/2021</a:t>
             </a:fld>
             <a:endParaRPr lang="pt-BR"/>
           </a:p>
@@ -361,7 +361,7 @@
           <a:p>
             <a:fld id="{020F486D-935E-4125-8FD7-C735663CC7DE}" type="slidenum">
               <a:rPr lang="pt-BR" smtClean="0"/>
-              <a:t>‹#›</a:t>
+              <a:t>‹nº›</a:t>
             </a:fld>
             <a:endParaRPr lang="pt-BR"/>
           </a:p>
@@ -1217,7 +1217,7 @@
           <a:p>
             <a:fld id="{9642BF85-54FF-46CE-B398-87F998CFD60B}" type="datetimeFigureOut">
               <a:rPr lang="pt-BR" smtClean="0"/>
-              <a:t>25/08/2020</a:t>
+              <a:t>10/05/2021</a:t>
             </a:fld>
             <a:endParaRPr lang="pt-BR"/>
           </a:p>
@@ -1259,7 +1259,7 @@
           <a:p>
             <a:fld id="{29185252-FBA3-417A-8652-C405B89605D8}" type="slidenum">
               <a:rPr lang="pt-BR" smtClean="0"/>
-              <a:t>‹#›</a:t>
+              <a:t>‹nº›</a:t>
             </a:fld>
             <a:endParaRPr lang="pt-BR"/>
           </a:p>
@@ -1385,7 +1385,7 @@
           <a:p>
             <a:fld id="{9642BF85-54FF-46CE-B398-87F998CFD60B}" type="datetimeFigureOut">
               <a:rPr lang="pt-BR" smtClean="0"/>
-              <a:t>25/08/2020</a:t>
+              <a:t>10/05/2021</a:t>
             </a:fld>
             <a:endParaRPr lang="pt-BR"/>
           </a:p>
@@ -1427,7 +1427,7 @@
           <a:p>
             <a:fld id="{29185252-FBA3-417A-8652-C405B89605D8}" type="slidenum">
               <a:rPr lang="pt-BR" smtClean="0"/>
-              <a:t>‹#›</a:t>
+              <a:t>‹nº›</a:t>
             </a:fld>
             <a:endParaRPr lang="pt-BR"/>
           </a:p>
@@ -1563,7 +1563,7 @@
           <a:p>
             <a:fld id="{9642BF85-54FF-46CE-B398-87F998CFD60B}" type="datetimeFigureOut">
               <a:rPr lang="pt-BR" smtClean="0"/>
-              <a:t>25/08/2020</a:t>
+              <a:t>10/05/2021</a:t>
             </a:fld>
             <a:endParaRPr lang="pt-BR"/>
           </a:p>
@@ -1605,7 +1605,7 @@
           <a:p>
             <a:fld id="{29185252-FBA3-417A-8652-C405B89605D8}" type="slidenum">
               <a:rPr lang="pt-BR" smtClean="0"/>
-              <a:t>‹#›</a:t>
+              <a:t>‹nº›</a:t>
             </a:fld>
             <a:endParaRPr lang="pt-BR"/>
           </a:p>
@@ -1900,7 +1900,7 @@
           <a:p>
             <a:fld id="{9642BF85-54FF-46CE-B398-87F998CFD60B}" type="datetimeFigureOut">
               <a:rPr lang="pt-BR" smtClean="0"/>
-              <a:t>25/08/2020</a:t>
+              <a:t>10/05/2021</a:t>
             </a:fld>
             <a:endParaRPr lang="pt-BR"/>
           </a:p>
@@ -1942,7 +1942,7 @@
           <a:p>
             <a:fld id="{29185252-FBA3-417A-8652-C405B89605D8}" type="slidenum">
               <a:rPr lang="pt-BR" smtClean="0"/>
-              <a:t>‹#›</a:t>
+              <a:t>‹nº›</a:t>
             </a:fld>
             <a:endParaRPr lang="pt-BR"/>
           </a:p>
@@ -2171,7 +2171,7 @@
           <a:p>
             <a:fld id="{9642BF85-54FF-46CE-B398-87F998CFD60B}" type="datetimeFigureOut">
               <a:rPr lang="pt-BR" smtClean="0"/>
-              <a:t>25/08/2020</a:t>
+              <a:t>10/05/2021</a:t>
             </a:fld>
             <a:endParaRPr lang="pt-BR"/>
           </a:p>
@@ -2213,7 +2213,7 @@
           <a:p>
             <a:fld id="{29185252-FBA3-417A-8652-C405B89605D8}" type="slidenum">
               <a:rPr lang="pt-BR" smtClean="0"/>
-              <a:t>‹#›</a:t>
+              <a:t>‹nº›</a:t>
             </a:fld>
             <a:endParaRPr lang="pt-BR"/>
           </a:p>
@@ -2417,7 +2417,7 @@
           <a:p>
             <a:fld id="{9642BF85-54FF-46CE-B398-87F998CFD60B}" type="datetimeFigureOut">
               <a:rPr lang="pt-BR" smtClean="0"/>
-              <a:t>25/08/2020</a:t>
+              <a:t>10/05/2021</a:t>
             </a:fld>
             <a:endParaRPr lang="pt-BR"/>
           </a:p>
@@ -2459,7 +2459,7 @@
           <a:p>
             <a:fld id="{29185252-FBA3-417A-8652-C405B89605D8}" type="slidenum">
               <a:rPr lang="pt-BR" smtClean="0"/>
-              <a:t>‹#›</a:t>
+              <a:t>‹nº›</a:t>
             </a:fld>
             <a:endParaRPr lang="pt-BR"/>
           </a:p>
@@ -2781,7 +2781,7 @@
           <a:p>
             <a:fld id="{9642BF85-54FF-46CE-B398-87F998CFD60B}" type="datetimeFigureOut">
               <a:rPr lang="pt-BR" smtClean="0"/>
-              <a:t>25/08/2020</a:t>
+              <a:t>10/05/2021</a:t>
             </a:fld>
             <a:endParaRPr lang="pt-BR"/>
           </a:p>
@@ -2823,7 +2823,7 @@
           <a:p>
             <a:fld id="{29185252-FBA3-417A-8652-C405B89605D8}" type="slidenum">
               <a:rPr lang="pt-BR" smtClean="0"/>
-              <a:t>‹#›</a:t>
+              <a:t>‹nº›</a:t>
             </a:fld>
             <a:endParaRPr lang="pt-BR"/>
           </a:p>
@@ -2915,7 +2915,7 @@
           <a:p>
             <a:fld id="{9642BF85-54FF-46CE-B398-87F998CFD60B}" type="datetimeFigureOut">
               <a:rPr lang="pt-BR" smtClean="0"/>
-              <a:t>25/08/2020</a:t>
+              <a:t>10/05/2021</a:t>
             </a:fld>
             <a:endParaRPr lang="pt-BR"/>
           </a:p>
@@ -2957,7 +2957,7 @@
           <a:p>
             <a:fld id="{29185252-FBA3-417A-8652-C405B89605D8}" type="slidenum">
               <a:rPr lang="pt-BR" smtClean="0"/>
-              <a:t>‹#›</a:t>
+              <a:t>‹nº›</a:t>
             </a:fld>
             <a:endParaRPr lang="pt-BR"/>
           </a:p>
@@ -3010,7 +3010,7 @@
           <a:p>
             <a:fld id="{9642BF85-54FF-46CE-B398-87F998CFD60B}" type="datetimeFigureOut">
               <a:rPr lang="pt-BR" smtClean="0"/>
-              <a:t>25/08/2020</a:t>
+              <a:t>10/05/2021</a:t>
             </a:fld>
             <a:endParaRPr lang="pt-BR"/>
           </a:p>
@@ -3052,7 +3052,7 @@
           <a:p>
             <a:fld id="{29185252-FBA3-417A-8652-C405B89605D8}" type="slidenum">
               <a:rPr lang="pt-BR" smtClean="0"/>
-              <a:t>‹#›</a:t>
+              <a:t>‹nº›</a:t>
             </a:fld>
             <a:endParaRPr lang="pt-BR"/>
           </a:p>
@@ -3285,7 +3285,7 @@
           <a:p>
             <a:fld id="{9642BF85-54FF-46CE-B398-87F998CFD60B}" type="datetimeFigureOut">
               <a:rPr lang="pt-BR" smtClean="0"/>
-              <a:t>25/08/2020</a:t>
+              <a:t>10/05/2021</a:t>
             </a:fld>
             <a:endParaRPr lang="pt-BR"/>
           </a:p>
@@ -3327,7 +3327,7 @@
           <a:p>
             <a:fld id="{29185252-FBA3-417A-8652-C405B89605D8}" type="slidenum">
               <a:rPr lang="pt-BR" smtClean="0"/>
-              <a:t>‹#›</a:t>
+              <a:t>‹nº›</a:t>
             </a:fld>
             <a:endParaRPr lang="pt-BR"/>
           </a:p>
@@ -3537,7 +3537,7 @@
           <a:p>
             <a:fld id="{9642BF85-54FF-46CE-B398-87F998CFD60B}" type="datetimeFigureOut">
               <a:rPr lang="pt-BR" smtClean="0"/>
-              <a:t>25/08/2020</a:t>
+              <a:t>10/05/2021</a:t>
             </a:fld>
             <a:endParaRPr lang="pt-BR"/>
           </a:p>
@@ -3579,7 +3579,7 @@
           <a:p>
             <a:fld id="{29185252-FBA3-417A-8652-C405B89605D8}" type="slidenum">
               <a:rPr lang="pt-BR" smtClean="0"/>
-              <a:t>‹#›</a:t>
+              <a:t>‹nº›</a:t>
             </a:fld>
             <a:endParaRPr lang="pt-BR"/>
           </a:p>
@@ -3757,7 +3757,7 @@
           <a:p>
             <a:fld id="{9642BF85-54FF-46CE-B398-87F998CFD60B}" type="datetimeFigureOut">
               <a:rPr lang="pt-BR" smtClean="0"/>
-              <a:t>25/08/2020</a:t>
+              <a:t>10/05/2021</a:t>
             </a:fld>
             <a:endParaRPr lang="pt-BR"/>
           </a:p>
@@ -3835,7 +3835,7 @@
           <a:p>
             <a:fld id="{29185252-FBA3-417A-8652-C405B89605D8}" type="slidenum">
               <a:rPr lang="pt-BR" smtClean="0"/>
-              <a:t>‹#›</a:t>
+              <a:t>‹nº›</a:t>
             </a:fld>
             <a:endParaRPr lang="pt-BR"/>
           </a:p>
